--- a/Slaidid/_Java - 8 Liquibase.pptx
+++ b/Slaidid/_Java - 8 Liquibase.pptx
@@ -223,7 +223,7 @@
           <a:p>
             <a:fld id="{60163E65-5F46-4A69-883D-966D9827EBBB}" type="datetimeFigureOut">
               <a:rPr lang="en-US" smtClean="0"/>
-              <a:t>11/11/2020</a:t>
+              <a:t>11/12/2020</a:t>
             </a:fld>
             <a:endParaRPr lang="en-US"/>
           </a:p>
@@ -681,7 +681,7 @@
             <a:fld id="{9B034333-4FC0-4832-B48E-1BB4D6BFA92F}" type="datetimeFigureOut">
               <a:rPr lang="et-EE" smtClean="0"/>
               <a:pPr/>
-              <a:t>11.11.2020</a:t>
+              <a:t>12.11.2020</a:t>
             </a:fld>
             <a:endParaRPr lang="et-EE"/>
           </a:p>
@@ -900,7 +900,7 @@
             <a:fld id="{9B034333-4FC0-4832-B48E-1BB4D6BFA92F}" type="datetimeFigureOut">
               <a:rPr lang="et-EE" smtClean="0"/>
               <a:pPr/>
-              <a:t>11.11.2020</a:t>
+              <a:t>12.11.2020</a:t>
             </a:fld>
             <a:endParaRPr lang="et-EE"/>
           </a:p>
@@ -1075,7 +1075,7 @@
             <a:fld id="{9B034333-4FC0-4832-B48E-1BB4D6BFA92F}" type="datetimeFigureOut">
               <a:rPr lang="et-EE" smtClean="0"/>
               <a:pPr/>
-              <a:t>11.11.2020</a:t>
+              <a:t>12.11.2020</a:t>
             </a:fld>
             <a:endParaRPr lang="et-EE"/>
           </a:p>
@@ -1318,7 +1318,7 @@
             <a:fld id="{9B034333-4FC0-4832-B48E-1BB4D6BFA92F}" type="datetimeFigureOut">
               <a:rPr lang="et-EE" smtClean="0"/>
               <a:pPr/>
-              <a:t>11.11.2020</a:t>
+              <a:t>12.11.2020</a:t>
             </a:fld>
             <a:endParaRPr lang="et-EE"/>
           </a:p>
@@ -1615,7 +1615,7 @@
             <a:fld id="{9B034333-4FC0-4832-B48E-1BB4D6BFA92F}" type="datetimeFigureOut">
               <a:rPr lang="et-EE" smtClean="0"/>
               <a:pPr/>
-              <a:t>11.11.2020</a:t>
+              <a:t>12.11.2020</a:t>
             </a:fld>
             <a:endParaRPr lang="et-EE"/>
           </a:p>
@@ -1967,7 +1967,7 @@
             <a:fld id="{9B034333-4FC0-4832-B48E-1BB4D6BFA92F}" type="datetimeFigureOut">
               <a:rPr lang="et-EE" smtClean="0"/>
               <a:pPr/>
-              <a:t>11.11.2020</a:t>
+              <a:t>12.11.2020</a:t>
             </a:fld>
             <a:endParaRPr lang="et-EE"/>
           </a:p>
@@ -2467,7 +2467,7 @@
             <a:fld id="{9B034333-4FC0-4832-B48E-1BB4D6BFA92F}" type="datetimeFigureOut">
               <a:rPr lang="et-EE" smtClean="0"/>
               <a:pPr/>
-              <a:t>11.11.2020</a:t>
+              <a:t>12.11.2020</a:t>
             </a:fld>
             <a:endParaRPr lang="et-EE"/>
           </a:p>
@@ -2581,7 +2581,7 @@
             <a:fld id="{9B034333-4FC0-4832-B48E-1BB4D6BFA92F}" type="datetimeFigureOut">
               <a:rPr lang="et-EE" smtClean="0"/>
               <a:pPr/>
-              <a:t>11.11.2020</a:t>
+              <a:t>12.11.2020</a:t>
             </a:fld>
             <a:endParaRPr lang="et-EE"/>
           </a:p>
@@ -2673,7 +2673,7 @@
             <a:fld id="{9B034333-4FC0-4832-B48E-1BB4D6BFA92F}" type="datetimeFigureOut">
               <a:rPr lang="et-EE" smtClean="0"/>
               <a:pPr/>
-              <a:t>11.11.2020</a:t>
+              <a:t>12.11.2020</a:t>
             </a:fld>
             <a:endParaRPr lang="et-EE"/>
           </a:p>
@@ -2945,7 +2945,7 @@
             <a:fld id="{9B034333-4FC0-4832-B48E-1BB4D6BFA92F}" type="datetimeFigureOut">
               <a:rPr lang="et-EE" smtClean="0"/>
               <a:pPr/>
-              <a:t>11.11.2020</a:t>
+              <a:t>12.11.2020</a:t>
             </a:fld>
             <a:endParaRPr lang="et-EE"/>
           </a:p>
@@ -3197,7 +3197,7 @@
             <a:fld id="{9B034333-4FC0-4832-B48E-1BB4D6BFA92F}" type="datetimeFigureOut">
               <a:rPr lang="et-EE" smtClean="0"/>
               <a:pPr/>
-              <a:t>11.11.2020</a:t>
+              <a:t>12.11.2020</a:t>
             </a:fld>
             <a:endParaRPr lang="et-EE"/>
           </a:p>
@@ -3406,7 +3406,7 @@
             <a:fld id="{9B034333-4FC0-4832-B48E-1BB4D6BFA92F}" type="datetimeFigureOut">
               <a:rPr lang="et-EE" smtClean="0"/>
               <a:pPr/>
-              <a:t>11.11.2020</a:t>
+              <a:t>12.11.2020</a:t>
             </a:fld>
             <a:endParaRPr lang="et-EE"/>
           </a:p>
@@ -5881,8 +5881,8 @@
         </p:nvSpPr>
         <p:spPr bwMode="auto">
           <a:xfrm>
-            <a:off x="450376" y="2308230"/>
-            <a:ext cx="8527933" cy="2677656"/>
+            <a:off x="450376" y="2092787"/>
+            <a:ext cx="8527933" cy="3108543"/>
           </a:xfrm>
           <a:prstGeom prst="rect">
             <a:avLst/>
@@ -6262,6 +6262,69 @@
                 <a:latin typeface="JetBrains Mono"/>
               </a:rPr>
               <a:t>/&gt;</a:t>
+            </a:r>
+          </a:p>
+          <a:p>
+            <a:pPr marL="0" marR="0" lvl="0" indent="0" algn="l" defTabSz="914400" rtl="0" eaLnBrk="0" fontAlgn="base" latinLnBrk="0" hangingPunct="0">
+              <a:lnSpc>
+                <a:spcPct val="100000"/>
+              </a:lnSpc>
+              <a:spcBef>
+                <a:spcPct val="0"/>
+              </a:spcBef>
+              <a:spcAft>
+                <a:spcPct val="0"/>
+              </a:spcAft>
+              <a:buClrTx/>
+              <a:buSzTx/>
+              <a:buFontTx/>
+              <a:buNone/>
+              <a:tabLst/>
+            </a:pPr>
+            <a:r>
+              <a:rPr lang="en-US" altLang="en-US" sz="2800" dirty="0">
+                <a:solidFill>
+                  <a:srgbClr val="080808"/>
+                </a:solidFill>
+                <a:latin typeface="JetBrains Mono"/>
+              </a:rPr>
+              <a:t>		//”</a:t>
+            </a:r>
+            <a:r>
+              <a:rPr lang="en-US" altLang="en-US" sz="2800" dirty="0" err="1">
+                <a:solidFill>
+                  <a:srgbClr val="080808"/>
+                </a:solidFill>
+                <a:latin typeface="JetBrains Mono"/>
+              </a:rPr>
+              <a:t>tabeli_nimi</a:t>
+            </a:r>
+            <a:r>
+              <a:rPr lang="en-US" altLang="en-US" sz="2800" dirty="0">
+                <a:solidFill>
+                  <a:srgbClr val="080808"/>
+                </a:solidFill>
+                <a:latin typeface="JetBrains Mono"/>
+              </a:rPr>
+              <a:t>(</a:t>
+            </a:r>
+            <a:r>
+              <a:rPr lang="en-US" altLang="en-US" sz="2800" dirty="0" err="1">
+                <a:solidFill>
+                  <a:srgbClr val="080808"/>
+                </a:solidFill>
+                <a:latin typeface="JetBrains Mono"/>
+              </a:rPr>
+              <a:t>tulba_nimi</a:t>
+            </a:r>
+            <a:r>
+              <a:rPr lang="en-US" altLang="en-US" sz="2800">
+                <a:solidFill>
+                  <a:srgbClr val="080808"/>
+                </a:solidFill>
+                <a:latin typeface="JetBrains Mono"/>
+              </a:rPr>
+              <a:t>”</a:t>
             </a:r>
             <a:br>
               <a:rPr kumimoji="0" lang="en-US" altLang="en-US" sz="2800" b="0" i="0" u="none" strike="noStrike" cap="none" normalizeH="0" baseline="0" dirty="0">
